--- a/Power System Planning/PowerSystemPlanning.pptx
+++ b/Power System Planning/PowerSystemPlanning.pptx
@@ -16,6 +16,7 @@
     <p:sldId id="267" r:id="rId10"/>
     <p:sldId id="263" r:id="rId11"/>
     <p:sldId id="264" r:id="rId12"/>
+    <p:sldId id="268" r:id="rId13"/>
   </p:sldIdLst>
   <p:sldSz cx="9144000" cy="6858000" type="screen4x3"/>
   <p:notesSz cx="6858000" cy="9144000"/>
@@ -3195,8 +3196,8 @@
           </a:p>
         </p:txBody>
       </p:sp>
-      <mc:AlternateContent xmlns:mc="http://schemas.openxmlformats.org/markup-compatibility/2006">
-        <mc:Choice xmlns:a14="http://schemas.microsoft.com/office/drawing/2010/main" Requires="a14">
+      <mc:AlternateContent xmlns:mc="http://schemas.openxmlformats.org/markup-compatibility/2006" xmlns:a14="http://schemas.microsoft.com/office/drawing/2010/main">
+        <mc:Choice Requires="a14">
           <p:sp>
             <p:nvSpPr>
               <p:cNvPr id="3" name="Content Placeholder 2"/>
@@ -3375,7 +3376,6 @@
                   <a:rPr lang="en-US" sz="3300" dirty="0" smtClean="0"/>
                   <a:t>1.0.</a:t>
                 </a:r>
-                <a:endParaRPr lang="en-US" sz="3300" dirty="0" smtClean="0"/>
               </a:p>
               <a:p>
                 <a:pPr marL="514350" indent="-514350">
@@ -3442,7 +3442,7 @@
             </p:txBody>
           </p:sp>
         </mc:Choice>
-        <mc:Fallback>
+        <mc:Fallback xmlns="">
           <p:sp>
             <p:nvSpPr>
               <p:cNvPr id="3" name="Content Placeholder 2"/>
@@ -3525,11 +3525,7 @@
           <a:p>
             <a:r>
               <a:rPr lang="en-US" dirty="0" smtClean="0"/>
-              <a:t>Future of Thermoelectric </a:t>
-            </a:r>
-            <a:r>
-              <a:rPr lang="en-US" dirty="0" smtClean="0"/>
-              <a:t>Devices</a:t>
+              <a:t>Future of Thermoelectric Devices</a:t>
             </a:r>
             <a:endParaRPr lang="en-US" dirty="0"/>
           </a:p>
@@ -3684,6 +3680,85 @@
     <p:extLst>
       <p:ext uri="{BB962C8B-B14F-4D97-AF65-F5344CB8AC3E}">
         <p14:creationId xmlns:p14="http://schemas.microsoft.com/office/powerpoint/2010/main" val="2570574346"/>
+      </p:ext>
+    </p:extLst>
+  </p:cSld>
+  <p:clrMapOvr>
+    <a:masterClrMapping/>
+  </p:clrMapOvr>
+</p:sld>
+</file>
+
+<file path=ppt/slides/slide12.xml><?xml version="1.0" encoding="utf-8"?>
+<p:sld xmlns:a="http://schemas.openxmlformats.org/drawingml/2006/main" xmlns:r="http://schemas.openxmlformats.org/officeDocument/2006/relationships" xmlns:p="http://schemas.openxmlformats.org/presentationml/2006/main">
+  <p:cSld>
+    <p:spTree>
+      <p:nvGrpSpPr>
+        <p:cNvPr id="1" name=""/>
+        <p:cNvGrpSpPr/>
+        <p:nvPr/>
+      </p:nvGrpSpPr>
+      <p:grpSpPr>
+        <a:xfrm>
+          <a:off x="0" y="0"/>
+          <a:ext cx="0" cy="0"/>
+          <a:chOff x="0" y="0"/>
+          <a:chExt cx="0" cy="0"/>
+        </a:xfrm>
+      </p:grpSpPr>
+      <p:sp>
+        <p:nvSpPr>
+          <p:cNvPr id="2" name="Title 1"/>
+          <p:cNvSpPr>
+            <a:spLocks noGrp="1"/>
+          </p:cNvSpPr>
+          <p:nvPr>
+            <p:ph type="title"/>
+          </p:nvPr>
+        </p:nvSpPr>
+        <p:spPr/>
+        <p:txBody>
+          <a:bodyPr/>
+          <a:lstStyle/>
+          <a:p>
+            <a:r>
+              <a:rPr lang="en-US" dirty="0" smtClean="0"/>
+              <a:t>References</a:t>
+            </a:r>
+            <a:endParaRPr lang="en-US" dirty="0"/>
+          </a:p>
+        </p:txBody>
+      </p:sp>
+      <p:sp>
+        <p:nvSpPr>
+          <p:cNvPr id="3" name="Content Placeholder 2"/>
+          <p:cNvSpPr>
+            <a:spLocks noGrp="1"/>
+          </p:cNvSpPr>
+          <p:nvPr>
+            <p:ph idx="1"/>
+          </p:nvPr>
+        </p:nvSpPr>
+        <p:spPr/>
+        <p:txBody>
+          <a:bodyPr/>
+          <a:lstStyle/>
+          <a:p>
+            <a:pPr marL="0" indent="0">
+              <a:buNone/>
+            </a:pPr>
+            <a:r>
+              <a:rPr lang="en-US" dirty="0" smtClean="0"/>
+              <a:t>[1] </a:t>
+            </a:r>
+            <a:endParaRPr lang="en-US" dirty="0"/>
+          </a:p>
+        </p:txBody>
+      </p:sp>
+    </p:spTree>
+    <p:extLst>
+      <p:ext uri="{BB962C8B-B14F-4D97-AF65-F5344CB8AC3E}">
+        <p14:creationId xmlns:p14="http://schemas.microsoft.com/office/powerpoint/2010/main" val="1537059063"/>
       </p:ext>
     </p:extLst>
   </p:cSld>
@@ -4298,19 +4373,11 @@
             </a:r>
             <a:r>
               <a:rPr lang="en-US" dirty="0"/>
-              <a:t> </a:t>
-            </a:r>
-            <a:r>
-              <a:rPr lang="en-US" dirty="0"/>
-              <a:t>R</a:t>
+              <a:t> R</a:t>
             </a:r>
             <a:r>
               <a:rPr lang="en-US" dirty="0" smtClean="0"/>
-              <a:t>adioisotopes </a:t>
-            </a:r>
-            <a:r>
-              <a:rPr lang="en-US" dirty="0" smtClean="0"/>
-              <a:t>are used in thermoelectric generators for heating. </a:t>
+              <a:t>adioisotopes are used in thermoelectric generators for heating. </a:t>
             </a:r>
           </a:p>
           <a:p>
@@ -4340,11 +4407,7 @@
             </a:r>
             <a:r>
               <a:rPr lang="en-US" dirty="0" smtClean="0"/>
-              <a:t>body-heat powered </a:t>
-            </a:r>
-            <a:r>
-              <a:rPr lang="en-US" dirty="0" smtClean="0"/>
-              <a:t>lighting and </a:t>
+              <a:t>body-heat powered lighting and </a:t>
             </a:r>
             <a:r>
               <a:rPr lang="en-US" dirty="0"/>
@@ -4413,18 +4476,14 @@
           <a:p>
             <a:r>
               <a:rPr lang="en-US" dirty="0" smtClean="0"/>
-              <a:t>Peltier </a:t>
-            </a:r>
-            <a:r>
-              <a:rPr lang="en-US" dirty="0" smtClean="0"/>
-              <a:t>Effect</a:t>
+              <a:t>Peltier Effect</a:t>
             </a:r>
             <a:endParaRPr lang="en-US" dirty="0"/>
           </a:p>
         </p:txBody>
       </p:sp>
-      <mc:AlternateContent xmlns:mc="http://schemas.openxmlformats.org/markup-compatibility/2006">
-        <mc:Choice xmlns:a14="http://schemas.microsoft.com/office/drawing/2010/main" Requires="a14">
+      <mc:AlternateContent xmlns:mc="http://schemas.openxmlformats.org/markup-compatibility/2006" xmlns:a14="http://schemas.microsoft.com/office/drawing/2010/main">
+        <mc:Choice Requires="a14">
           <p:sp>
             <p:nvSpPr>
               <p:cNvPr id="3" name="Content Placeholder 2"/>
@@ -4663,13 +4722,8 @@
                 </a14:m>
                 <a:r>
                   <a:rPr lang="en-US" dirty="0" smtClean="0"/>
-                  <a:t> = Peltier </a:t>
+                  <a:t> = Peltier Coefficient </a:t>
                 </a:r>
-                <a:r>
-                  <a:rPr lang="en-US" dirty="0" smtClean="0"/>
-                  <a:t>Coefficient </a:t>
-                </a:r>
-                <a:endParaRPr lang="en-US" dirty="0" smtClean="0"/>
               </a:p>
               <a:p>
                 <a:pPr marL="400050" lvl="1" indent="0">
@@ -4677,11 +4731,7 @@
                 </a:pPr>
                 <a:r>
                   <a:rPr lang="en-US" dirty="0" smtClean="0"/>
-                  <a:t>                 of </a:t>
-                </a:r>
-                <a:r>
-                  <a:rPr lang="en-US" dirty="0" smtClean="0"/>
-                  <a:t>Medium</a:t>
+                  <a:t>                 of Medium</a:t>
                 </a:r>
               </a:p>
               <a:p>
@@ -4690,7 +4740,7 @@
             </p:txBody>
           </p:sp>
         </mc:Choice>
-        <mc:Fallback>
+        <mc:Fallback xmlns="">
           <p:sp>
             <p:nvSpPr>
               <p:cNvPr id="3" name="Content Placeholder 2"/>
@@ -4822,8 +4872,8 @@
           </a:p>
         </p:txBody>
       </p:sp>
-      <mc:AlternateContent xmlns:mc="http://schemas.openxmlformats.org/markup-compatibility/2006">
-        <mc:Choice xmlns:a14="http://schemas.microsoft.com/office/drawing/2010/main" Requires="a14">
+      <mc:AlternateContent xmlns:mc="http://schemas.openxmlformats.org/markup-compatibility/2006" xmlns:a14="http://schemas.microsoft.com/office/drawing/2010/main">
+        <mc:Choice Requires="a14">
           <p:sp>
             <p:nvSpPr>
               <p:cNvPr id="3" name="Content Placeholder 2"/>
@@ -5044,7 +5094,7 @@
             </p:txBody>
           </p:sp>
         </mc:Choice>
-        <mc:Fallback>
+        <mc:Fallback xmlns="">
           <p:sp>
             <p:nvSpPr>
               <p:cNvPr id="3" name="Content Placeholder 2"/>
@@ -5285,14 +5335,14 @@
             <p:ph idx="1"/>
             <p:extLst>
               <p:ext uri="{D42A27DB-BD31-4B8C-83A1-F6EECF244321}">
-                <p14:modId xmlns:p14="http://schemas.microsoft.com/office/powerpoint/2010/main" val="2742420084"/>
+                <p14:modId xmlns:p14="http://schemas.microsoft.com/office/powerpoint/2010/main" val="1514559234"/>
               </p:ext>
             </p:extLst>
           </p:nvPr>
         </p:nvGraphicFramePr>
         <p:xfrm>
           <a:off x="457200" y="1600200"/>
-          <a:ext cx="3962400" cy="4572000"/>
+          <a:ext cx="3962400" cy="5090160"/>
         </p:xfrm>
         <a:graphic>
           <a:graphicData uri="http://schemas.openxmlformats.org/drawingml/2006/table">
@@ -5507,6 +5557,42 @@
                     <a:p>
                       <a:r>
                         <a:rPr lang="en-US" sz="2800" dirty="0" smtClean="0"/>
+                        <a:t>Platinum</a:t>
+                      </a:r>
+                      <a:endParaRPr lang="en-US" sz="2800" dirty="0"/>
+                    </a:p>
+                  </a:txBody>
+                  <a:tcPr/>
+                </a:tc>
+                <a:tc>
+                  <a:txBody>
+                    <a:bodyPr/>
+                    <a:lstStyle/>
+                    <a:p>
+                      <a:pPr algn="ctr"/>
+                      <a:r>
+                        <a:rPr lang="en-US" sz="2800" dirty="0" smtClean="0"/>
+                        <a:t>0</a:t>
+                      </a:r>
+                      <a:endParaRPr lang="en-US" sz="2800" dirty="0" smtClean="0"/>
+                    </a:p>
+                  </a:txBody>
+                  <a:tcPr/>
+                </a:tc>
+                <a:extLst>
+                  <a:ext uri="{0D108BD9-81ED-4DB2-BD59-A6C34878D82A}">
+                    <a16:rowId xmlns:a16="http://schemas.microsoft.com/office/drawing/2014/main" val="3096486097"/>
+                  </a:ext>
+                </a:extLst>
+              </a:tr>
+              <a:tr h="370840">
+                <a:tc>
+                  <a:txBody>
+                    <a:bodyPr/>
+                    <a:lstStyle/>
+                    <a:p>
+                      <a:r>
+                        <a:rPr lang="en-US" sz="2800" dirty="0" smtClean="0"/>
                         <a:t>Nickel</a:t>
                       </a:r>
                       <a:endParaRPr lang="en-US" sz="2800" dirty="0"/>
@@ -5660,7 +5746,7 @@
         <p:spPr>
           <a:xfrm>
             <a:off x="4419600" y="5160529"/>
-            <a:ext cx="4419600" cy="954107"/>
+            <a:ext cx="4419600" cy="1384995"/>
           </a:xfrm>
           <a:prstGeom prst="rect">
             <a:avLst/>
@@ -5676,14 +5762,62 @@
             <a:pPr algn="ctr"/>
             <a:r>
               <a:rPr lang="en-US" sz="2800" dirty="0" smtClean="0"/>
-              <a:t>40mm X 40mm </a:t>
+              <a:t>62</a:t>
+            </a:r>
+            <a:r>
+              <a:rPr lang="en-US" sz="2800" dirty="0" smtClean="0"/>
+              <a:t>mm </a:t>
+            </a:r>
+            <a:r>
+              <a:rPr lang="en-US" sz="2800" dirty="0" smtClean="0"/>
+              <a:t>X </a:t>
+            </a:r>
+            <a:r>
+              <a:rPr lang="en-US" sz="2800" dirty="0" smtClean="0"/>
+              <a:t>62mm X 4.1mm</a:t>
             </a:r>
           </a:p>
           <a:p>
             <a:pPr algn="ctr"/>
             <a:r>
               <a:rPr lang="en-US" sz="2800" dirty="0" smtClean="0"/>
-              <a:t>12V, 60W Generator</a:t>
+              <a:t>-50 </a:t>
+            </a:r>
+            <a:r>
+              <a:rPr lang="en-US" sz="2800" dirty="0"/>
+              <a:t>°</a:t>
+            </a:r>
+            <a:r>
+              <a:rPr lang="en-US" sz="2800" dirty="0" smtClean="0"/>
+              <a:t>C – 100 °C</a:t>
+            </a:r>
+            <a:r>
+              <a:rPr lang="en-US" sz="2800" dirty="0" smtClean="0"/>
+              <a:t> </a:t>
+            </a:r>
+            <a:endParaRPr lang="en-US" sz="2800" dirty="0" smtClean="0"/>
+          </a:p>
+          <a:p>
+            <a:pPr algn="ctr"/>
+            <a:r>
+              <a:rPr lang="en-US" sz="2800" dirty="0" smtClean="0"/>
+              <a:t>8.4</a:t>
+            </a:r>
+            <a:r>
+              <a:rPr lang="en-US" sz="2800" dirty="0" smtClean="0"/>
+              <a:t>V</a:t>
+            </a:r>
+            <a:r>
+              <a:rPr lang="en-US" sz="2800" dirty="0" smtClean="0"/>
+              <a:t>, </a:t>
+            </a:r>
+            <a:r>
+              <a:rPr lang="en-US" sz="2800" dirty="0" smtClean="0"/>
+              <a:t>480W </a:t>
+            </a:r>
+            <a:r>
+              <a:rPr lang="en-US" sz="2800" dirty="0" smtClean="0"/>
+              <a:t>Generator</a:t>
             </a:r>
             <a:endParaRPr lang="en-US" sz="2800" dirty="0"/>
           </a:p>

--- a/Power System Planning/PowerSystemPlanning.pptx
+++ b/Power System Planning/PowerSystemPlanning.pptx
@@ -3741,17 +3741,143 @@
         </p:nvSpPr>
         <p:spPr/>
         <p:txBody>
-          <a:bodyPr/>
+          <a:bodyPr>
+            <a:noAutofit/>
+          </a:bodyPr>
           <a:lstStyle/>
           <a:p>
             <a:pPr marL="0" indent="0">
               <a:buNone/>
             </a:pPr>
             <a:r>
-              <a:rPr lang="en-US" dirty="0" smtClean="0"/>
-              <a:t>[1] </a:t>
-            </a:r>
-            <a:endParaRPr lang="en-US" dirty="0"/>
+              <a:rPr lang="en-US" sz="1800" dirty="0" smtClean="0"/>
+              <a:t>[1]</a:t>
+            </a:r>
+            <a:r>
+              <a:rPr lang="en-US" sz="1800" i="1" dirty="0" smtClean="0"/>
+              <a:t> TEC1 </a:t>
+            </a:r>
+            <a:r>
+              <a:rPr lang="en-US" sz="1800" i="1" dirty="0"/>
+              <a:t>Thermoelectric module</a:t>
+            </a:r>
+            <a:r>
+              <a:rPr lang="en-US" sz="1800" dirty="0"/>
+              <a:t>. [Online]. Available: http://www.everredtronics.com/thermoelectric.TEC1.html. [Accessed: 15-Nov-2018].</a:t>
+            </a:r>
+          </a:p>
+          <a:p>
+            <a:pPr marL="0" indent="0">
+              <a:buNone/>
+            </a:pPr>
+            <a:r>
+              <a:rPr lang="en-US" sz="1800" dirty="0" smtClean="0"/>
+              <a:t>[2] “Seebeck </a:t>
+            </a:r>
+            <a:r>
+              <a:rPr lang="en-US" sz="1800" dirty="0"/>
+              <a:t>coefficient,” </a:t>
+            </a:r>
+            <a:r>
+              <a:rPr lang="en-US" sz="1800" i="1" dirty="0"/>
+              <a:t>Wikipedia</a:t>
+            </a:r>
+            <a:r>
+              <a:rPr lang="en-US" sz="1800" dirty="0"/>
+              <a:t>, 03-Nov-2018. [Online]. Available: https://en.wikipedia.org/wiki/Seebeck_coefficient. [Accessed: 15-Nov-2018].</a:t>
+            </a:r>
+          </a:p>
+          <a:p>
+            <a:pPr marL="0" indent="0">
+              <a:buNone/>
+            </a:pPr>
+            <a:r>
+              <a:rPr lang="en-US" sz="1800" dirty="0" smtClean="0"/>
+              <a:t>[3] “Thermoelectric </a:t>
+            </a:r>
+            <a:r>
+              <a:rPr lang="en-US" sz="1800" dirty="0"/>
+              <a:t>effect,” </a:t>
+            </a:r>
+            <a:r>
+              <a:rPr lang="en-US" sz="1800" i="1" dirty="0"/>
+              <a:t>Wikipedia</a:t>
+            </a:r>
+            <a:r>
+              <a:rPr lang="en-US" sz="1800" dirty="0"/>
+              <a:t>, 15-Aug-2018. [Online]. Available: https://en.wikipedia.org/wiki/Thermoelectric_effect. [Accessed: 15-Nov-2018].</a:t>
+            </a:r>
+          </a:p>
+          <a:p>
+            <a:pPr marL="0" indent="0">
+              <a:buNone/>
+            </a:pPr>
+            <a:r>
+              <a:rPr lang="en-US" sz="1800" dirty="0" smtClean="0"/>
+              <a:t>[4] “Thermoelectric </a:t>
+            </a:r>
+            <a:r>
+              <a:rPr lang="en-US" sz="1800" dirty="0"/>
+              <a:t>generator,” </a:t>
+            </a:r>
+            <a:r>
+              <a:rPr lang="en-US" sz="1800" i="1" dirty="0"/>
+              <a:t>Wikipedia</a:t>
+            </a:r>
+            <a:r>
+              <a:rPr lang="en-US" sz="1800" dirty="0"/>
+              <a:t>, 04-Nov-2018. [Online]. Available: https://en.wikipedia.org/wiki/Thermoelectric_generator. [Accessed: 15-Nov-2018].</a:t>
+            </a:r>
+          </a:p>
+          <a:p>
+            <a:pPr marL="0" indent="0">
+              <a:buNone/>
+            </a:pPr>
+            <a:r>
+              <a:rPr lang="en-US" sz="1800" dirty="0" smtClean="0"/>
+              <a:t>[5] “Thermoelectric </a:t>
+            </a:r>
+            <a:r>
+              <a:rPr lang="en-US" sz="1800" dirty="0"/>
+              <a:t>Generators,” </a:t>
+            </a:r>
+            <a:r>
+              <a:rPr lang="en-US" sz="1800" i="1" dirty="0"/>
+              <a:t>Wireless Inductive Charging</a:t>
+            </a:r>
+            <a:r>
+              <a:rPr lang="en-US" sz="1800" dirty="0"/>
+              <a:t>. [Online]. Available: http://large.stanford.edu/courses/2010/ph240/weisse1/. [Accessed: 15-Nov-2018].</a:t>
+            </a:r>
+          </a:p>
+          <a:p>
+            <a:pPr marL="0" indent="0">
+              <a:buNone/>
+            </a:pPr>
+            <a:r>
+              <a:rPr lang="en-US" sz="1800" dirty="0" smtClean="0"/>
+              <a:t>[6] “What </a:t>
+            </a:r>
+            <a:r>
+              <a:rPr lang="en-US" sz="1800" dirty="0"/>
+              <a:t>is a Thermoelectric Generator (TEG)? - Definition from </a:t>
+            </a:r>
+            <a:r>
+              <a:rPr lang="en-US" sz="1800" dirty="0" err="1"/>
+              <a:t>Corrosionpedia</a:t>
+            </a:r>
+            <a:r>
+              <a:rPr lang="en-US" sz="1800" dirty="0"/>
+              <a:t>,” </a:t>
+            </a:r>
+            <a:r>
+              <a:rPr lang="en-US" sz="1800" i="1" dirty="0" err="1"/>
+              <a:t>Corrosionpedia</a:t>
+            </a:r>
+            <a:r>
+              <a:rPr lang="en-US" sz="1800" dirty="0"/>
+              <a:t>. [Online]. Available: https://www.corrosionpedia.com/definition/4357/thermoelectric-generator-teg. [Accessed: 15-Nov-2018].</a:t>
+            </a:r>
           </a:p>
         </p:txBody>
       </p:sp>
@@ -5574,7 +5700,6 @@
                         <a:rPr lang="en-US" sz="2800" dirty="0" smtClean="0"/>
                         <a:t>0</a:t>
                       </a:r>
-                      <a:endParaRPr lang="en-US" sz="2800" dirty="0" smtClean="0"/>
                     </a:p>
                   </a:txBody>
                   <a:tcPr/>
@@ -5762,19 +5887,7 @@
             <a:pPr algn="ctr"/>
             <a:r>
               <a:rPr lang="en-US" sz="2800" dirty="0" smtClean="0"/>
-              <a:t>62</a:t>
-            </a:r>
-            <a:r>
-              <a:rPr lang="en-US" sz="2800" dirty="0" smtClean="0"/>
-              <a:t>mm </a:t>
-            </a:r>
-            <a:r>
-              <a:rPr lang="en-US" sz="2800" dirty="0" smtClean="0"/>
-              <a:t>X </a:t>
-            </a:r>
-            <a:r>
-              <a:rPr lang="en-US" sz="2800" dirty="0" smtClean="0"/>
-              <a:t>62mm X 4.1mm</a:t>
+              <a:t>62mm X 62mm X 4.1mm</a:t>
             </a:r>
           </a:p>
           <a:p>
@@ -5789,35 +5902,14 @@
             </a:r>
             <a:r>
               <a:rPr lang="en-US" sz="2800" dirty="0" smtClean="0"/>
-              <a:t>C – 100 °C</a:t>
-            </a:r>
+              <a:t>C – 100 °C </a:t>
+            </a:r>
+          </a:p>
+          <a:p>
+            <a:pPr algn="ctr"/>
             <a:r>
               <a:rPr lang="en-US" sz="2800" dirty="0" smtClean="0"/>
-              <a:t> </a:t>
-            </a:r>
-            <a:endParaRPr lang="en-US" sz="2800" dirty="0" smtClean="0"/>
-          </a:p>
-          <a:p>
-            <a:pPr algn="ctr"/>
-            <a:r>
-              <a:rPr lang="en-US" sz="2800" dirty="0" smtClean="0"/>
-              <a:t>8.4</a:t>
-            </a:r>
-            <a:r>
-              <a:rPr lang="en-US" sz="2800" dirty="0" smtClean="0"/>
-              <a:t>V</a:t>
-            </a:r>
-            <a:r>
-              <a:rPr lang="en-US" sz="2800" dirty="0" smtClean="0"/>
-              <a:t>, </a:t>
-            </a:r>
-            <a:r>
-              <a:rPr lang="en-US" sz="2800" dirty="0" smtClean="0"/>
-              <a:t>480W </a:t>
-            </a:r>
-            <a:r>
-              <a:rPr lang="en-US" sz="2800" dirty="0" smtClean="0"/>
-              <a:t>Generator</a:t>
+              <a:t>8.4V, 480W Generator</a:t>
             </a:r>
             <a:endParaRPr lang="en-US" sz="2800" dirty="0"/>
           </a:p>
